--- a/sort.pptx
+++ b/sort.pptx
@@ -15472,56 +15472,6 @@
           </a:p>
         </p:txBody>
       </p:sp>
-      <p:sp>
-        <p:nvSpPr>
-          <p:cNvPr id="191" name="Google Shape;191;p35"/>
-          <p:cNvSpPr txBox="1">
-            <a:spLocks noGrp="1"/>
-          </p:cNvSpPr>
-          <p:nvPr>
-            <p:ph type="subTitle" idx="1"/>
-          </p:nvPr>
-        </p:nvSpPr>
-        <p:spPr>
-          <a:xfrm>
-            <a:off x="4991850" y="3596547"/>
-            <a:ext cx="3860400" cy="388200"/>
-          </a:xfrm>
-          <a:prstGeom prst="rect">
-            <a:avLst/>
-          </a:prstGeom>
-        </p:spPr>
-        <p:txBody>
-          <a:bodyPr spcFirstLastPara="1" wrap="square" lIns="91425" tIns="91425" rIns="91425" bIns="91425" anchor="t" anchorCtr="0">
-            <a:noAutofit/>
-          </a:bodyPr>
-          <a:lstStyle/>
-          <a:p>
-            <a:pPr marL="0" lvl="0" indent="0" algn="r" rtl="0">
-              <a:spcBef>
-                <a:spcPts val="0"/>
-              </a:spcBef>
-              <a:spcAft>
-                <a:spcPts val="0"/>
-              </a:spcAft>
-              <a:buNone/>
-            </a:pPr>
-            <a:r>
-              <a:rPr lang="ru-RU" dirty="0"/>
-              <a:t>Выполнил: </a:t>
-            </a:r>
-            <a:r>
-              <a:rPr lang="ru-RU" dirty="0" err="1"/>
-              <a:t>Ибатуллин</a:t>
-            </a:r>
-            <a:r>
-              <a:rPr lang="ru-RU" dirty="0"/>
-              <a:t> Евгений</a:t>
-            </a:r>
-            <a:endParaRPr b="1" dirty="0"/>
-          </a:p>
-        </p:txBody>
-      </p:sp>
       <p:cxnSp>
         <p:nvCxnSpPr>
           <p:cNvPr id="192" name="Google Shape;192;p35">
@@ -15550,6 +15500,31 @@
           </a:ln>
         </p:spPr>
       </p:cxnSp>
+      <p:sp>
+        <p:nvSpPr>
+          <p:cNvPr id="3" name="Подзаголовок 2">
+            <a:extLst>
+              <a:ext uri="{FF2B5EF4-FFF2-40B4-BE49-F238E27FC236}">
+                <a16:creationId xmlns:a16="http://schemas.microsoft.com/office/drawing/2014/main" id="{0C5B8718-390E-4BDC-8DF9-2B52662D021E}"/>
+              </a:ext>
+            </a:extLst>
+          </p:cNvPr>
+          <p:cNvSpPr>
+            <a:spLocks noGrp="1"/>
+          </p:cNvSpPr>
+          <p:nvPr>
+            <p:ph type="subTitle" idx="1"/>
+          </p:nvPr>
+        </p:nvSpPr>
+        <p:spPr/>
+        <p:txBody>
+          <a:bodyPr/>
+          <a:lstStyle/>
+          <a:p>
+            <a:endParaRPr lang="ru-RU"/>
+          </a:p>
+        </p:txBody>
+      </p:sp>
     </p:spTree>
   </p:cSld>
   <p:clrMapOvr>

--- a/sort.pptx
+++ b/sort.pptx
@@ -5,7 +5,7 @@
     <p:sldMasterId id="2147483680" r:id="rId1"/>
   </p:sldMasterIdLst>
   <p:notesMasterIdLst>
-    <p:notesMasterId r:id="rId26"/>
+    <p:notesMasterId r:id="rId27"/>
   </p:notesMasterIdLst>
   <p:sldIdLst>
     <p:sldId id="256" r:id="rId2"/>
@@ -32,6 +32,7 @@
     <p:sldId id="323" r:id="rId23"/>
     <p:sldId id="325" r:id="rId24"/>
     <p:sldId id="326" r:id="rId25"/>
+    <p:sldId id="328" r:id="rId26"/>
   </p:sldIdLst>
   <p:sldSz cx="9144000" cy="5143500" type="screen16x9"/>
   <p:notesSz cx="6858000" cy="9144000"/>
@@ -2537,6 +2538,115 @@
     <p:extLst>
       <p:ext uri="{BB962C8B-B14F-4D97-AF65-F5344CB8AC3E}">
         <p14:creationId xmlns:p14="http://schemas.microsoft.com/office/powerpoint/2010/main" val="3085023174"/>
+      </p:ext>
+    </p:extLst>
+  </p:cSld>
+  <p:clrMapOvr>
+    <a:masterClrMapping/>
+  </p:clrMapOvr>
+</p:notes>
+</file>
+
+<file path=ppt/notesSlides/notesSlide25.xml><?xml version="1.0" encoding="utf-8"?>
+<p:notes xmlns:a="http://schemas.openxmlformats.org/drawingml/2006/main" xmlns:r="http://schemas.openxmlformats.org/officeDocument/2006/relationships" xmlns:p="http://schemas.openxmlformats.org/presentationml/2006/main" showMasterSp="0" showMasterPhAnim="0">
+  <p:cSld>
+    <p:spTree>
+      <p:nvGrpSpPr>
+        <p:cNvPr id="1" name="Shape 238"/>
+        <p:cNvGrpSpPr/>
+        <p:nvPr/>
+      </p:nvGrpSpPr>
+      <p:grpSpPr>
+        <a:xfrm>
+          <a:off x="0" y="0"/>
+          <a:ext cx="0" cy="0"/>
+          <a:chOff x="0" y="0"/>
+          <a:chExt cx="0" cy="0"/>
+        </a:xfrm>
+      </p:grpSpPr>
+      <p:sp>
+        <p:nvSpPr>
+          <p:cNvPr id="239" name="Google Shape;239;g25685abcfce_0_0:notes"/>
+          <p:cNvSpPr>
+            <a:spLocks noGrp="1" noRot="1" noChangeAspect="1"/>
+          </p:cNvSpPr>
+          <p:nvPr>
+            <p:ph type="sldImg" idx="2"/>
+          </p:nvPr>
+        </p:nvSpPr>
+        <p:spPr>
+          <a:xfrm>
+            <a:off x="381000" y="685800"/>
+            <a:ext cx="6096000" cy="3429000"/>
+          </a:xfrm>
+          <a:custGeom>
+            <a:avLst/>
+            <a:gdLst/>
+            <a:ahLst/>
+            <a:cxnLst/>
+            <a:rect l="l" t="t" r="r" b="b"/>
+            <a:pathLst>
+              <a:path w="120000" h="120000" extrusionOk="0">
+                <a:moveTo>
+                  <a:pt x="0" y="0"/>
+                </a:moveTo>
+                <a:lnTo>
+                  <a:pt x="120000" y="0"/>
+                </a:lnTo>
+                <a:lnTo>
+                  <a:pt x="120000" y="120000"/>
+                </a:lnTo>
+                <a:lnTo>
+                  <a:pt x="0" y="120000"/>
+                </a:lnTo>
+                <a:close/>
+              </a:path>
+            </a:pathLst>
+          </a:custGeom>
+        </p:spPr>
+      </p:sp>
+      <p:sp>
+        <p:nvSpPr>
+          <p:cNvPr id="240" name="Google Shape;240;g25685abcfce_0_0:notes"/>
+          <p:cNvSpPr txBox="1">
+            <a:spLocks noGrp="1"/>
+          </p:cNvSpPr>
+          <p:nvPr>
+            <p:ph type="body" idx="1"/>
+          </p:nvPr>
+        </p:nvSpPr>
+        <p:spPr>
+          <a:xfrm>
+            <a:off x="685800" y="4343400"/>
+            <a:ext cx="5486400" cy="4114800"/>
+          </a:xfrm>
+          <a:prstGeom prst="rect">
+            <a:avLst/>
+          </a:prstGeom>
+        </p:spPr>
+        <p:txBody>
+          <a:bodyPr spcFirstLastPara="1" wrap="square" lIns="91425" tIns="91425" rIns="91425" bIns="91425" anchor="t" anchorCtr="0">
+            <a:noAutofit/>
+          </a:bodyPr>
+          <a:lstStyle/>
+          <a:p>
+            <a:pPr marL="0" lvl="0" indent="0" algn="l" rtl="0">
+              <a:spcBef>
+                <a:spcPts val="0"/>
+              </a:spcBef>
+              <a:spcAft>
+                <a:spcPts val="0"/>
+              </a:spcAft>
+              <a:buNone/>
+            </a:pPr>
+            <a:endParaRPr/>
+          </a:p>
+        </p:txBody>
+      </p:sp>
+    </p:spTree>
+    <p:extLst>
+      <p:ext uri="{BB962C8B-B14F-4D97-AF65-F5344CB8AC3E}">
+        <p14:creationId xmlns:p14="http://schemas.microsoft.com/office/powerpoint/2010/main" val="1651461940"/>
       </p:ext>
     </p:extLst>
   </p:cSld>
@@ -15505,7 +15615,7 @@
           <p:cNvPr id="3" name="Подзаголовок 2">
             <a:extLst>
               <a:ext uri="{FF2B5EF4-FFF2-40B4-BE49-F238E27FC236}">
-                <a16:creationId xmlns:a16="http://schemas.microsoft.com/office/drawing/2014/main" id="{0C5B8718-390E-4BDC-8DF9-2B52662D021E}"/>
+                <a16:creationId xmlns:a16="http://schemas.microsoft.com/office/drawing/2014/main" id="{6592500B-FC1D-4254-B0DD-393880389306}"/>
               </a:ext>
             </a:extLst>
           </p:cNvPr>
@@ -22149,7 +22259,7 @@
         <p:spPr>
           <a:xfrm>
             <a:off x="715100" y="1461566"/>
-            <a:ext cx="3999140" cy="2907233"/>
+            <a:ext cx="3999140" cy="970061"/>
           </a:xfrm>
           <a:prstGeom prst="rect">
             <a:avLst/>
@@ -22482,6 +22592,301 @@
               <a:rPr lang="en-US" dirty="0"/>
               <a:t>n</a:t>
             </a:r>
+          </a:p>
+        </p:txBody>
+      </p:sp>
+      <p:sp>
+        <p:nvSpPr>
+          <p:cNvPr id="5" name="Google Shape;243;p40">
+            <a:extLst>
+              <a:ext uri="{FF2B5EF4-FFF2-40B4-BE49-F238E27FC236}">
+                <a16:creationId xmlns:a16="http://schemas.microsoft.com/office/drawing/2014/main" id="{C7B6EA3D-7FEC-4CFB-94F9-4396FA8D5DED}"/>
+              </a:ext>
+            </a:extLst>
+          </p:cNvPr>
+          <p:cNvSpPr txBox="1">
+            <a:spLocks/>
+          </p:cNvSpPr>
+          <p:nvPr/>
+        </p:nvSpPr>
+        <p:spPr>
+          <a:xfrm>
+            <a:off x="715100" y="2711874"/>
+            <a:ext cx="3999140" cy="970061"/>
+          </a:xfrm>
+          <a:prstGeom prst="rect">
+            <a:avLst/>
+          </a:prstGeom>
+          <a:noFill/>
+          <a:ln>
+            <a:noFill/>
+          </a:ln>
+        </p:spPr>
+        <p:txBody>
+          <a:bodyPr spcFirstLastPara="1" wrap="square" lIns="91425" tIns="91425" rIns="91425" bIns="91425" anchor="t" anchorCtr="0">
+            <a:noAutofit/>
+          </a:bodyPr>
+          <a:lstStyle>
+            <a:defPPr marR="0" lvl="0" algn="l" rtl="0">
+              <a:lnSpc>
+                <a:spcPct val="100000"/>
+              </a:lnSpc>
+              <a:spcBef>
+                <a:spcPts val="0"/>
+              </a:spcBef>
+              <a:spcAft>
+                <a:spcPts val="0"/>
+              </a:spcAft>
+            </a:defPPr>
+            <a:lvl1pPr marL="457200" marR="0" lvl="0" indent="-304800" algn="l" rtl="0">
+              <a:lnSpc>
+                <a:spcPct val="100000"/>
+              </a:lnSpc>
+              <a:spcBef>
+                <a:spcPts val="0"/>
+              </a:spcBef>
+              <a:spcAft>
+                <a:spcPts val="0"/>
+              </a:spcAft>
+              <a:buClr>
+                <a:schemeClr val="dk1"/>
+              </a:buClr>
+              <a:buSzPts val="1200"/>
+              <a:buFont typeface="Albert Sans"/>
+              <a:buNone/>
+              <a:defRPr sz="1400" b="0" i="0" u="none" strike="noStrike" cap="none">
+                <a:solidFill>
+                  <a:schemeClr val="dk1"/>
+                </a:solidFill>
+                <a:latin typeface="Albert Sans"/>
+                <a:ea typeface="Albert Sans"/>
+                <a:cs typeface="Albert Sans"/>
+                <a:sym typeface="Albert Sans"/>
+              </a:defRPr>
+            </a:lvl1pPr>
+            <a:lvl2pPr marL="914400" marR="0" lvl="1" indent="-304800" algn="ctr" rtl="0">
+              <a:lnSpc>
+                <a:spcPct val="100000"/>
+              </a:lnSpc>
+              <a:spcBef>
+                <a:spcPts val="0"/>
+              </a:spcBef>
+              <a:spcAft>
+                <a:spcPts val="0"/>
+              </a:spcAft>
+              <a:buClr>
+                <a:schemeClr val="dk1"/>
+              </a:buClr>
+              <a:buSzPts val="1200"/>
+              <a:buFont typeface="Albert Sans"/>
+              <a:buNone/>
+              <a:defRPr sz="1200" b="0" i="0" u="none" strike="noStrike" cap="none">
+                <a:solidFill>
+                  <a:schemeClr val="dk1"/>
+                </a:solidFill>
+                <a:latin typeface="Albert Sans"/>
+                <a:ea typeface="Albert Sans"/>
+                <a:cs typeface="Albert Sans"/>
+                <a:sym typeface="Albert Sans"/>
+              </a:defRPr>
+            </a:lvl2pPr>
+            <a:lvl3pPr marL="1371600" marR="0" lvl="2" indent="-304800" algn="ctr" rtl="0">
+              <a:lnSpc>
+                <a:spcPct val="100000"/>
+              </a:lnSpc>
+              <a:spcBef>
+                <a:spcPts val="0"/>
+              </a:spcBef>
+              <a:spcAft>
+                <a:spcPts val="0"/>
+              </a:spcAft>
+              <a:buClr>
+                <a:schemeClr val="dk1"/>
+              </a:buClr>
+              <a:buSzPts val="1200"/>
+              <a:buFont typeface="Albert Sans"/>
+              <a:buNone/>
+              <a:defRPr sz="1200" b="0" i="0" u="none" strike="noStrike" cap="none">
+                <a:solidFill>
+                  <a:schemeClr val="dk1"/>
+                </a:solidFill>
+                <a:latin typeface="Albert Sans"/>
+                <a:ea typeface="Albert Sans"/>
+                <a:cs typeface="Albert Sans"/>
+                <a:sym typeface="Albert Sans"/>
+              </a:defRPr>
+            </a:lvl3pPr>
+            <a:lvl4pPr marL="1828800" marR="0" lvl="3" indent="-304800" algn="ctr" rtl="0">
+              <a:lnSpc>
+                <a:spcPct val="100000"/>
+              </a:lnSpc>
+              <a:spcBef>
+                <a:spcPts val="0"/>
+              </a:spcBef>
+              <a:spcAft>
+                <a:spcPts val="0"/>
+              </a:spcAft>
+              <a:buClr>
+                <a:schemeClr val="dk1"/>
+              </a:buClr>
+              <a:buSzPts val="1200"/>
+              <a:buFont typeface="Albert Sans"/>
+              <a:buNone/>
+              <a:defRPr sz="1200" b="0" i="0" u="none" strike="noStrike" cap="none">
+                <a:solidFill>
+                  <a:schemeClr val="dk1"/>
+                </a:solidFill>
+                <a:latin typeface="Albert Sans"/>
+                <a:ea typeface="Albert Sans"/>
+                <a:cs typeface="Albert Sans"/>
+                <a:sym typeface="Albert Sans"/>
+              </a:defRPr>
+            </a:lvl4pPr>
+            <a:lvl5pPr marL="2286000" marR="0" lvl="4" indent="-304800" algn="ctr" rtl="0">
+              <a:lnSpc>
+                <a:spcPct val="100000"/>
+              </a:lnSpc>
+              <a:spcBef>
+                <a:spcPts val="0"/>
+              </a:spcBef>
+              <a:spcAft>
+                <a:spcPts val="0"/>
+              </a:spcAft>
+              <a:buClr>
+                <a:schemeClr val="dk1"/>
+              </a:buClr>
+              <a:buSzPts val="1200"/>
+              <a:buFont typeface="Albert Sans"/>
+              <a:buNone/>
+              <a:defRPr sz="1200" b="0" i="0" u="none" strike="noStrike" cap="none">
+                <a:solidFill>
+                  <a:schemeClr val="dk1"/>
+                </a:solidFill>
+                <a:latin typeface="Albert Sans"/>
+                <a:ea typeface="Albert Sans"/>
+                <a:cs typeface="Albert Sans"/>
+                <a:sym typeface="Albert Sans"/>
+              </a:defRPr>
+            </a:lvl5pPr>
+            <a:lvl6pPr marL="2743200" marR="0" lvl="5" indent="-304800" algn="ctr" rtl="0">
+              <a:lnSpc>
+                <a:spcPct val="100000"/>
+              </a:lnSpc>
+              <a:spcBef>
+                <a:spcPts val="0"/>
+              </a:spcBef>
+              <a:spcAft>
+                <a:spcPts val="0"/>
+              </a:spcAft>
+              <a:buClr>
+                <a:schemeClr val="dk1"/>
+              </a:buClr>
+              <a:buSzPts val="1200"/>
+              <a:buFont typeface="Albert Sans"/>
+              <a:buNone/>
+              <a:defRPr sz="1200" b="0" i="0" u="none" strike="noStrike" cap="none">
+                <a:solidFill>
+                  <a:schemeClr val="dk1"/>
+                </a:solidFill>
+                <a:latin typeface="Albert Sans"/>
+                <a:ea typeface="Albert Sans"/>
+                <a:cs typeface="Albert Sans"/>
+                <a:sym typeface="Albert Sans"/>
+              </a:defRPr>
+            </a:lvl6pPr>
+            <a:lvl7pPr marL="3200400" marR="0" lvl="6" indent="-304800" algn="ctr" rtl="0">
+              <a:lnSpc>
+                <a:spcPct val="100000"/>
+              </a:lnSpc>
+              <a:spcBef>
+                <a:spcPts val="0"/>
+              </a:spcBef>
+              <a:spcAft>
+                <a:spcPts val="0"/>
+              </a:spcAft>
+              <a:buClr>
+                <a:schemeClr val="dk1"/>
+              </a:buClr>
+              <a:buSzPts val="1200"/>
+              <a:buFont typeface="Albert Sans"/>
+              <a:buNone/>
+              <a:defRPr sz="1200" b="0" i="0" u="none" strike="noStrike" cap="none">
+                <a:solidFill>
+                  <a:schemeClr val="dk1"/>
+                </a:solidFill>
+                <a:latin typeface="Albert Sans"/>
+                <a:ea typeface="Albert Sans"/>
+                <a:cs typeface="Albert Sans"/>
+                <a:sym typeface="Albert Sans"/>
+              </a:defRPr>
+            </a:lvl7pPr>
+            <a:lvl8pPr marL="3657600" marR="0" lvl="7" indent="-304800" algn="ctr" rtl="0">
+              <a:lnSpc>
+                <a:spcPct val="100000"/>
+              </a:lnSpc>
+              <a:spcBef>
+                <a:spcPts val="0"/>
+              </a:spcBef>
+              <a:spcAft>
+                <a:spcPts val="0"/>
+              </a:spcAft>
+              <a:buClr>
+                <a:schemeClr val="dk1"/>
+              </a:buClr>
+              <a:buSzPts val="1200"/>
+              <a:buFont typeface="Albert Sans"/>
+              <a:buNone/>
+              <a:defRPr sz="1200" b="0" i="0" u="none" strike="noStrike" cap="none">
+                <a:solidFill>
+                  <a:schemeClr val="dk1"/>
+                </a:solidFill>
+                <a:latin typeface="Albert Sans"/>
+                <a:ea typeface="Albert Sans"/>
+                <a:cs typeface="Albert Sans"/>
+                <a:sym typeface="Albert Sans"/>
+              </a:defRPr>
+            </a:lvl8pPr>
+            <a:lvl9pPr marL="4114800" marR="0" lvl="8" indent="-304800" algn="ctr" rtl="0">
+              <a:lnSpc>
+                <a:spcPct val="100000"/>
+              </a:lnSpc>
+              <a:spcBef>
+                <a:spcPts val="0"/>
+              </a:spcBef>
+              <a:spcAft>
+                <a:spcPts val="0"/>
+              </a:spcAft>
+              <a:buClr>
+                <a:schemeClr val="dk1"/>
+              </a:buClr>
+              <a:buSzPts val="1200"/>
+              <a:buFont typeface="Albert Sans"/>
+              <a:buNone/>
+              <a:defRPr sz="1200" b="0" i="0" u="none" strike="noStrike" cap="none">
+                <a:solidFill>
+                  <a:schemeClr val="dk1"/>
+                </a:solidFill>
+                <a:latin typeface="Albert Sans"/>
+                <a:ea typeface="Albert Sans"/>
+                <a:cs typeface="Albert Sans"/>
+                <a:sym typeface="Albert Sans"/>
+              </a:defRPr>
+            </a:lvl9pPr>
+          </a:lstStyle>
+          <a:p>
+            <a:pPr marL="0" indent="0"/>
+            <a:r>
+              <a:rPr lang="ru-RU" dirty="0"/>
+              <a:t>Относительная эффективность т.к алгоритм довольно быстрый.</a:t>
+            </a:r>
+          </a:p>
+          <a:p>
+            <a:pPr marL="0" indent="0"/>
+            <a:r>
+              <a:rPr lang="ru-RU" dirty="0"/>
+              <a:t>Можно разделить на несколько задач поиска по потоком нежели делать быстрый алгоритм.</a:t>
+            </a:r>
+            <a:endParaRPr lang="en-US" dirty="0"/>
           </a:p>
         </p:txBody>
       </p:sp>
@@ -23125,6 +23530,154 @@
     <p:extLst>
       <p:ext uri="{BB962C8B-B14F-4D97-AF65-F5344CB8AC3E}">
         <p14:creationId xmlns:p14="http://schemas.microsoft.com/office/powerpoint/2010/main" val="2303974161"/>
+      </p:ext>
+    </p:extLst>
+  </p:cSld>
+  <p:clrMapOvr>
+    <a:masterClrMapping/>
+  </p:clrMapOvr>
+</p:sld>
+</file>
+
+<file path=ppt/slides/slide25.xml><?xml version="1.0" encoding="utf-8"?>
+<p:sld xmlns:a="http://schemas.openxmlformats.org/drawingml/2006/main" xmlns:r="http://schemas.openxmlformats.org/officeDocument/2006/relationships" xmlns:p="http://schemas.openxmlformats.org/presentationml/2006/main">
+  <p:cSld>
+    <p:spTree>
+      <p:nvGrpSpPr>
+        <p:cNvPr id="1" name="Shape 241"/>
+        <p:cNvGrpSpPr/>
+        <p:nvPr/>
+      </p:nvGrpSpPr>
+      <p:grpSpPr>
+        <a:xfrm>
+          <a:off x="0" y="0"/>
+          <a:ext cx="0" cy="0"/>
+          <a:chOff x="0" y="0"/>
+          <a:chExt cx="0" cy="0"/>
+        </a:xfrm>
+      </p:grpSpPr>
+      <p:sp>
+        <p:nvSpPr>
+          <p:cNvPr id="242" name="Google Shape;242;p40"/>
+          <p:cNvSpPr txBox="1">
+            <a:spLocks noGrp="1"/>
+          </p:cNvSpPr>
+          <p:nvPr>
+            <p:ph type="title"/>
+          </p:nvPr>
+        </p:nvSpPr>
+        <p:spPr>
+          <a:xfrm>
+            <a:off x="720000" y="535000"/>
+            <a:ext cx="5925300" cy="1250400"/>
+          </a:xfrm>
+          <a:prstGeom prst="rect">
+            <a:avLst/>
+          </a:prstGeom>
+        </p:spPr>
+        <p:txBody>
+          <a:bodyPr spcFirstLastPara="1" wrap="square" lIns="91425" tIns="91425" rIns="91425" bIns="91425" anchor="t" anchorCtr="0">
+            <a:noAutofit/>
+          </a:bodyPr>
+          <a:lstStyle/>
+          <a:p>
+            <a:pPr marL="0" lvl="0" indent="0" algn="l" rtl="0">
+              <a:spcBef>
+                <a:spcPts val="0"/>
+              </a:spcBef>
+              <a:spcAft>
+                <a:spcPts val="0"/>
+              </a:spcAft>
+              <a:buNone/>
+            </a:pPr>
+            <a:r>
+              <a:rPr lang="ru-RU" sz="2800" dirty="0"/>
+              <a:t>Ссылки</a:t>
+            </a:r>
+            <a:endParaRPr sz="2800" dirty="0"/>
+          </a:p>
+        </p:txBody>
+      </p:sp>
+      <p:sp>
+        <p:nvSpPr>
+          <p:cNvPr id="243" name="Google Shape;243;p40"/>
+          <p:cNvSpPr txBox="1">
+            <a:spLocks noGrp="1"/>
+          </p:cNvSpPr>
+          <p:nvPr>
+            <p:ph type="subTitle" idx="1"/>
+          </p:nvPr>
+        </p:nvSpPr>
+        <p:spPr>
+          <a:xfrm>
+            <a:off x="715100" y="1461567"/>
+            <a:ext cx="5076100" cy="1250400"/>
+          </a:xfrm>
+          <a:prstGeom prst="rect">
+            <a:avLst/>
+          </a:prstGeom>
+        </p:spPr>
+        <p:txBody>
+          <a:bodyPr spcFirstLastPara="1" wrap="square" lIns="91425" tIns="91425" rIns="91425" bIns="91425" anchor="t" anchorCtr="0">
+            <a:noAutofit/>
+          </a:bodyPr>
+          <a:lstStyle/>
+          <a:p>
+            <a:pPr marL="0" lvl="0" indent="0" algn="l" rtl="0">
+              <a:spcBef>
+                <a:spcPts val="0"/>
+              </a:spcBef>
+              <a:spcAft>
+                <a:spcPts val="0"/>
+              </a:spcAft>
+              <a:buNone/>
+            </a:pPr>
+            <a:r>
+              <a:rPr lang="en-US" dirty="0"/>
+              <a:t>Git: </a:t>
+            </a:r>
+            <a:r>
+              <a:rPr lang="en-US" dirty="0">
+                <a:hlinkClick r:id="rId3"/>
+              </a:rPr>
+              <a:t>https://github.com/sxvxmx/parallel_sort_examples</a:t>
+            </a:r>
+            <a:endParaRPr lang="en-US" dirty="0"/>
+          </a:p>
+        </p:txBody>
+      </p:sp>
+      <p:cxnSp>
+        <p:nvCxnSpPr>
+          <p:cNvPr id="244" name="Google Shape;244;p40">
+            <a:hlinkClick r:id="" action="ppaction://hlinkshowjump?jump=nextslide"/>
+          </p:cNvPr>
+          <p:cNvCxnSpPr/>
+          <p:nvPr/>
+        </p:nvCxnSpPr>
+        <p:spPr>
+          <a:xfrm>
+            <a:off x="715100" y="4414400"/>
+            <a:ext cx="483300" cy="0"/>
+          </a:xfrm>
+          <a:prstGeom prst="straightConnector1">
+            <a:avLst/>
+          </a:prstGeom>
+          <a:noFill/>
+          <a:ln w="9525" cap="flat" cmpd="sng">
+            <a:solidFill>
+              <a:schemeClr val="dk1"/>
+            </a:solidFill>
+            <a:prstDash val="solid"/>
+            <a:round/>
+            <a:headEnd type="none" w="med" len="med"/>
+            <a:tailEnd type="triangle" w="med" len="med"/>
+          </a:ln>
+        </p:spPr>
+      </p:cxnSp>
+    </p:spTree>
+    <p:extLst>
+      <p:ext uri="{BB962C8B-B14F-4D97-AF65-F5344CB8AC3E}">
+        <p14:creationId xmlns:p14="http://schemas.microsoft.com/office/powerpoint/2010/main" val="3010236270"/>
       </p:ext>
     </p:extLst>
   </p:cSld>
